--- a/other/logos_grafiken_illustrationen_3.pptx
+++ b/other/logos_grafiken_illustrationen_3.pptx
@@ -5,7 +5,7 @@
     <p:sldMasterId id="2147483648" r:id="rId1"/>
   </p:sldMasterIdLst>
   <p:notesMasterIdLst>
-    <p:notesMasterId r:id="rId17"/>
+    <p:notesMasterId r:id="rId18"/>
   </p:notesMasterIdLst>
   <p:sldIdLst>
     <p:sldId id="281" r:id="rId2"/>
@@ -19,10 +19,11 @@
     <p:sldId id="289" r:id="rId10"/>
     <p:sldId id="291" r:id="rId11"/>
     <p:sldId id="292" r:id="rId12"/>
-    <p:sldId id="290" r:id="rId13"/>
-    <p:sldId id="286" r:id="rId14"/>
-    <p:sldId id="284" r:id="rId15"/>
-    <p:sldId id="283" r:id="rId16"/>
+    <p:sldId id="295" r:id="rId13"/>
+    <p:sldId id="290" r:id="rId14"/>
+    <p:sldId id="286" r:id="rId15"/>
+    <p:sldId id="284" r:id="rId16"/>
+    <p:sldId id="283" r:id="rId17"/>
   </p:sldIdLst>
   <p:sldSz cx="9144000" cy="6858000" type="screen4x3"/>
   <p:notesSz cx="6858000" cy="9144000"/>
@@ -976,6 +977,90 @@
             <a:fld id="{1CE315C7-5D1A-A642-914E-2ADCB0B2BA6A}" type="slidenum">
               <a:rPr lang="de-DE" smtClean="0"/>
               <a:t>12</a:t>
+            </a:fld>
+            <a:endParaRPr lang="de-DE"/>
+          </a:p>
+        </p:txBody>
+      </p:sp>
+    </p:spTree>
+    <p:extLst>
+      <p:ext uri="{BB962C8B-B14F-4D97-AF65-F5344CB8AC3E}">
+        <p14:creationId xmlns:p14="http://schemas.microsoft.com/office/powerpoint/2010/main" val="1789213049"/>
+      </p:ext>
+    </p:extLst>
+  </p:cSld>
+  <p:clrMapOvr>
+    <a:masterClrMapping/>
+  </p:clrMapOvr>
+</p:notes>
+</file>
+
+<file path=ppt/notesSlides/notesSlide7.xml><?xml version="1.0" encoding="utf-8"?>
+<p:notes xmlns:a="http://schemas.openxmlformats.org/drawingml/2006/main" xmlns:r="http://schemas.openxmlformats.org/officeDocument/2006/relationships" xmlns:p="http://schemas.openxmlformats.org/presentationml/2006/main">
+  <p:cSld>
+    <p:spTree>
+      <p:nvGrpSpPr>
+        <p:cNvPr id="1" name=""/>
+        <p:cNvGrpSpPr/>
+        <p:nvPr/>
+      </p:nvGrpSpPr>
+      <p:grpSpPr>
+        <a:xfrm>
+          <a:off x="0" y="0"/>
+          <a:ext cx="0" cy="0"/>
+          <a:chOff x="0" y="0"/>
+          <a:chExt cx="0" cy="0"/>
+        </a:xfrm>
+      </p:grpSpPr>
+      <p:sp>
+        <p:nvSpPr>
+          <p:cNvPr id="2" name="Folienbildplatzhalter 1"/>
+          <p:cNvSpPr>
+            <a:spLocks noGrp="1" noRot="1" noChangeAspect="1"/>
+          </p:cNvSpPr>
+          <p:nvPr>
+            <p:ph type="sldImg"/>
+          </p:nvPr>
+        </p:nvSpPr>
+        <p:spPr/>
+      </p:sp>
+      <p:sp>
+        <p:nvSpPr>
+          <p:cNvPr id="3" name="Notizenplatzhalter 2"/>
+          <p:cNvSpPr>
+            <a:spLocks noGrp="1"/>
+          </p:cNvSpPr>
+          <p:nvPr>
+            <p:ph type="body" idx="1"/>
+          </p:nvPr>
+        </p:nvSpPr>
+        <p:spPr/>
+        <p:txBody>
+          <a:bodyPr/>
+          <a:lstStyle/>
+          <a:p>
+            <a:endParaRPr lang="de-DE" dirty="0"/>
+          </a:p>
+        </p:txBody>
+      </p:sp>
+      <p:sp>
+        <p:nvSpPr>
+          <p:cNvPr id="4" name="Foliennummernplatzhalter 3"/>
+          <p:cNvSpPr>
+            <a:spLocks noGrp="1"/>
+          </p:cNvSpPr>
+          <p:nvPr>
+            <p:ph type="sldNum" sz="quarter" idx="10"/>
+          </p:nvPr>
+        </p:nvSpPr>
+        <p:spPr/>
+        <p:txBody>
+          <a:bodyPr/>
+          <a:lstStyle/>
+          <a:p>
+            <a:fld id="{1CE315C7-5D1A-A642-914E-2ADCB0B2BA6A}" type="slidenum">
+              <a:rPr lang="de-DE" smtClean="0"/>
+              <a:t>13</a:t>
             </a:fld>
             <a:endParaRPr lang="de-DE"/>
           </a:p>
@@ -10640,6 +10725,728 @@
       </p:grpSpPr>
       <p:grpSp>
         <p:nvGrpSpPr>
+          <p:cNvPr id="10" name="Gruppierung 9"/>
+          <p:cNvGrpSpPr/>
+          <p:nvPr/>
+        </p:nvGrpSpPr>
+        <p:grpSpPr>
+          <a:xfrm>
+            <a:off x="0" y="1188720"/>
+            <a:ext cx="9227383" cy="5120639"/>
+            <a:chOff x="0" y="1188720"/>
+            <a:chExt cx="9227383" cy="5120639"/>
+          </a:xfrm>
+        </p:grpSpPr>
+        <p:sp>
+          <p:nvSpPr>
+            <p:cNvPr id="79" name="Rechteck 78"/>
+            <p:cNvSpPr/>
+            <p:nvPr/>
+          </p:nvSpPr>
+          <p:spPr>
+            <a:xfrm>
+              <a:off x="0" y="1188720"/>
+              <a:ext cx="9144000" cy="5120639"/>
+            </a:xfrm>
+            <a:prstGeom prst="rect">
+              <a:avLst/>
+            </a:prstGeom>
+            <a:solidFill>
+              <a:srgbClr val="325C72"/>
+            </a:solidFill>
+            <a:effectLst/>
+          </p:spPr>
+          <p:style>
+            <a:lnRef idx="1">
+              <a:schemeClr val="accent1"/>
+            </a:lnRef>
+            <a:fillRef idx="3">
+              <a:schemeClr val="accent1"/>
+            </a:fillRef>
+            <a:effectRef idx="2">
+              <a:schemeClr val="accent1"/>
+            </a:effectRef>
+            <a:fontRef idx="minor">
+              <a:schemeClr val="lt1"/>
+            </a:fontRef>
+          </p:style>
+          <p:txBody>
+            <a:bodyPr rtlCol="0" anchor="ctr"/>
+            <a:lstStyle/>
+            <a:p>
+              <a:pPr algn="ctr"/>
+              <a:endParaRPr lang="de-DE"/>
+            </a:p>
+          </p:txBody>
+        </p:sp>
+        <p:sp>
+          <p:nvSpPr>
+            <p:cNvPr id="60" name="Textfeld 59"/>
+            <p:cNvSpPr txBox="1"/>
+            <p:nvPr/>
+          </p:nvSpPr>
+          <p:spPr>
+            <a:xfrm>
+              <a:off x="8360698" y="5926880"/>
+              <a:ext cx="866685" cy="338554"/>
+            </a:xfrm>
+            <a:prstGeom prst="rect">
+              <a:avLst/>
+            </a:prstGeom>
+            <a:noFill/>
+          </p:spPr>
+          <p:txBody>
+            <a:bodyPr wrap="square" rtlCol="0">
+              <a:spAutoFit/>
+            </a:bodyPr>
+            <a:lstStyle/>
+            <a:p>
+              <a:r>
+                <a:rPr lang="de-DE" sz="1600" b="1" dirty="0" smtClean="0">
+                  <a:solidFill>
+                    <a:schemeClr val="bg1"/>
+                  </a:solidFill>
+                  <a:latin typeface="Audiowide" charset="0"/>
+                  <a:ea typeface="Audiowide" charset="0"/>
+                  <a:cs typeface="Audiowide" charset="0"/>
+                </a:rPr>
+                <a:t>Fin</a:t>
+              </a:r>
+              <a:r>
+                <a:rPr lang="de-DE" sz="1600" b="1" dirty="0" smtClean="0">
+                  <a:solidFill>
+                    <a:srgbClr val="F38200"/>
+                  </a:solidFill>
+                  <a:latin typeface="Audiowide" charset="0"/>
+                  <a:ea typeface="Audiowide" charset="0"/>
+                  <a:cs typeface="Audiowide" charset="0"/>
+                </a:rPr>
+                <a:t>IQ</a:t>
+              </a:r>
+              <a:endParaRPr lang="de-DE" sz="1600" b="1" dirty="0">
+                <a:solidFill>
+                  <a:srgbClr val="F38200"/>
+                </a:solidFill>
+                <a:latin typeface="Audiowide" charset="0"/>
+                <a:ea typeface="Audiowide" charset="0"/>
+                <a:cs typeface="Audiowide" charset="0"/>
+              </a:endParaRPr>
+            </a:p>
+          </p:txBody>
+        </p:sp>
+        <p:sp>
+          <p:nvSpPr>
+            <p:cNvPr id="81" name="Rechteck 80"/>
+            <p:cNvSpPr/>
+            <p:nvPr/>
+          </p:nvSpPr>
+          <p:spPr>
+            <a:xfrm>
+              <a:off x="666558" y="3446610"/>
+              <a:ext cx="3466491" cy="2268391"/>
+            </a:xfrm>
+            <a:prstGeom prst="rect">
+              <a:avLst/>
+            </a:prstGeom>
+            <a:solidFill>
+              <a:schemeClr val="bg1"/>
+            </a:solidFill>
+            <a:ln>
+              <a:noFill/>
+            </a:ln>
+            <a:effectLst>
+              <a:outerShdw blurRad="25400" dist="76200" dir="5400000" algn="t" rotWithShape="0">
+                <a:prstClr val="black">
+                  <a:alpha val="20000"/>
+                </a:prstClr>
+              </a:outerShdw>
+            </a:effectLst>
+          </p:spPr>
+          <p:style>
+            <a:lnRef idx="1">
+              <a:schemeClr val="accent1"/>
+            </a:lnRef>
+            <a:fillRef idx="3">
+              <a:schemeClr val="accent1"/>
+            </a:fillRef>
+            <a:effectRef idx="2">
+              <a:schemeClr val="accent1"/>
+            </a:effectRef>
+            <a:fontRef idx="minor">
+              <a:schemeClr val="lt1"/>
+            </a:fontRef>
+          </p:style>
+          <p:txBody>
+            <a:bodyPr rtlCol="0" anchor="ctr"/>
+            <a:lstStyle/>
+            <a:p>
+              <a:pPr algn="ctr"/>
+              <a:endParaRPr lang="de-DE" dirty="0"/>
+            </a:p>
+          </p:txBody>
+        </p:sp>
+        <p:sp>
+          <p:nvSpPr>
+            <p:cNvPr id="82" name="Rechteck 81"/>
+            <p:cNvSpPr/>
+            <p:nvPr/>
+          </p:nvSpPr>
+          <p:spPr>
+            <a:xfrm>
+              <a:off x="5010952" y="3446610"/>
+              <a:ext cx="3466491" cy="2268390"/>
+            </a:xfrm>
+            <a:prstGeom prst="rect">
+              <a:avLst/>
+            </a:prstGeom>
+            <a:solidFill>
+              <a:schemeClr val="bg1"/>
+            </a:solidFill>
+            <a:ln>
+              <a:noFill/>
+            </a:ln>
+            <a:effectLst>
+              <a:outerShdw blurRad="25400" dist="76200" dir="5400000" algn="t" rotWithShape="0">
+                <a:prstClr val="black">
+                  <a:alpha val="20000"/>
+                </a:prstClr>
+              </a:outerShdw>
+            </a:effectLst>
+          </p:spPr>
+          <p:style>
+            <a:lnRef idx="1">
+              <a:schemeClr val="accent1"/>
+            </a:lnRef>
+            <a:fillRef idx="3">
+              <a:schemeClr val="accent1"/>
+            </a:fillRef>
+            <a:effectRef idx="2">
+              <a:schemeClr val="accent1"/>
+            </a:effectRef>
+            <a:fontRef idx="minor">
+              <a:schemeClr val="lt1"/>
+            </a:fontRef>
+          </p:style>
+          <p:txBody>
+            <a:bodyPr rtlCol="0" anchor="ctr"/>
+            <a:lstStyle/>
+            <a:p>
+              <a:pPr algn="ctr"/>
+              <a:endParaRPr lang="de-DE" dirty="0"/>
+            </a:p>
+          </p:txBody>
+        </p:sp>
+        <p:sp>
+          <p:nvSpPr>
+            <p:cNvPr id="83" name="Textfeld 82"/>
+            <p:cNvSpPr txBox="1"/>
+            <p:nvPr/>
+          </p:nvSpPr>
+          <p:spPr>
+            <a:xfrm>
+              <a:off x="533400" y="2770030"/>
+              <a:ext cx="3829526" cy="400110"/>
+            </a:xfrm>
+            <a:prstGeom prst="rect">
+              <a:avLst/>
+            </a:prstGeom>
+            <a:noFill/>
+          </p:spPr>
+          <p:txBody>
+            <a:bodyPr wrap="square" rtlCol="0">
+              <a:spAutoFit/>
+            </a:bodyPr>
+            <a:lstStyle/>
+            <a:p>
+              <a:pPr algn="ctr"/>
+              <a:r>
+                <a:rPr lang="de-DE" sz="2000" b="1" dirty="0" smtClean="0">
+                  <a:solidFill>
+                    <a:schemeClr val="bg1"/>
+                  </a:solidFill>
+                </a:rPr>
+                <a:t>GUTE SCHULDEN</a:t>
+              </a:r>
+              <a:endParaRPr lang="de-DE" sz="2000" b="1" dirty="0">
+                <a:solidFill>
+                  <a:schemeClr val="bg1"/>
+                </a:solidFill>
+              </a:endParaRPr>
+            </a:p>
+          </p:txBody>
+        </p:sp>
+        <p:sp>
+          <p:nvSpPr>
+            <p:cNvPr id="84" name="Pfeil nach links und rechts 83"/>
+            <p:cNvSpPr/>
+            <p:nvPr/>
+          </p:nvSpPr>
+          <p:spPr>
+            <a:xfrm>
+              <a:off x="4011309" y="2745890"/>
+              <a:ext cx="1121382" cy="443784"/>
+            </a:xfrm>
+            <a:prstGeom prst="leftRightArrow">
+              <a:avLst/>
+            </a:prstGeom>
+            <a:solidFill>
+              <a:srgbClr val="FF5722"/>
+            </a:solidFill>
+            <a:ln>
+              <a:noFill/>
+            </a:ln>
+            <a:effectLst>
+              <a:outerShdw blurRad="25400" dist="76200" dir="5400000" algn="t" rotWithShape="0">
+                <a:prstClr val="black">
+                  <a:alpha val="20000"/>
+                </a:prstClr>
+              </a:outerShdw>
+            </a:effectLst>
+          </p:spPr>
+          <p:style>
+            <a:lnRef idx="1">
+              <a:schemeClr val="accent1"/>
+            </a:lnRef>
+            <a:fillRef idx="3">
+              <a:schemeClr val="accent1"/>
+            </a:fillRef>
+            <a:effectRef idx="2">
+              <a:schemeClr val="accent1"/>
+            </a:effectRef>
+            <a:fontRef idx="minor">
+              <a:schemeClr val="lt1"/>
+            </a:fontRef>
+          </p:style>
+          <p:txBody>
+            <a:bodyPr rtlCol="0" anchor="ctr"/>
+            <a:lstStyle/>
+            <a:p>
+              <a:pPr algn="ctr"/>
+              <a:endParaRPr lang="de-DE"/>
+            </a:p>
+          </p:txBody>
+        </p:sp>
+        <p:sp>
+          <p:nvSpPr>
+            <p:cNvPr id="85" name="Textfeld 84"/>
+            <p:cNvSpPr txBox="1"/>
+            <p:nvPr/>
+          </p:nvSpPr>
+          <p:spPr>
+            <a:xfrm>
+              <a:off x="4979924" y="2770030"/>
+              <a:ext cx="3829526" cy="400110"/>
+            </a:xfrm>
+            <a:prstGeom prst="rect">
+              <a:avLst/>
+            </a:prstGeom>
+            <a:noFill/>
+          </p:spPr>
+          <p:txBody>
+            <a:bodyPr wrap="square" rtlCol="0">
+              <a:spAutoFit/>
+            </a:bodyPr>
+            <a:lstStyle/>
+            <a:p>
+              <a:pPr algn="ctr"/>
+              <a:r>
+                <a:rPr lang="de-DE" sz="2000" b="1" dirty="0" smtClean="0">
+                  <a:solidFill>
+                    <a:schemeClr val="bg1"/>
+                  </a:solidFill>
+                </a:rPr>
+                <a:t>SCHLECHTE SCHULDEN</a:t>
+              </a:r>
+              <a:endParaRPr lang="de-DE" sz="2000" b="1" dirty="0">
+                <a:solidFill>
+                  <a:schemeClr val="bg1"/>
+                </a:solidFill>
+              </a:endParaRPr>
+            </a:p>
+          </p:txBody>
+        </p:sp>
+        <p:grpSp>
+          <p:nvGrpSpPr>
+            <p:cNvPr id="3" name="Gruppierung 2"/>
+            <p:cNvGrpSpPr/>
+            <p:nvPr/>
+          </p:nvGrpSpPr>
+          <p:grpSpPr>
+            <a:xfrm>
+              <a:off x="1939054" y="1470304"/>
+              <a:ext cx="5265892" cy="1107364"/>
+              <a:chOff x="1998559" y="1165504"/>
+              <a:chExt cx="5265892" cy="1107364"/>
+            </a:xfrm>
+          </p:grpSpPr>
+          <p:sp>
+            <p:nvSpPr>
+              <p:cNvPr id="2" name="Smiley 1"/>
+              <p:cNvSpPr/>
+              <p:nvPr/>
+            </p:nvSpPr>
+            <p:spPr>
+              <a:xfrm>
+                <a:off x="1998559" y="1165504"/>
+                <a:ext cx="899207" cy="1107364"/>
+              </a:xfrm>
+              <a:prstGeom prst="smileyFace">
+                <a:avLst>
+                  <a:gd name="adj" fmla="val 4653"/>
+                </a:avLst>
+              </a:prstGeom>
+              <a:solidFill>
+                <a:srgbClr val="00B050"/>
+              </a:solidFill>
+            </p:spPr>
+            <p:style>
+              <a:lnRef idx="3">
+                <a:schemeClr val="lt1"/>
+              </a:lnRef>
+              <a:fillRef idx="1">
+                <a:schemeClr val="accent3"/>
+              </a:fillRef>
+              <a:effectRef idx="1">
+                <a:schemeClr val="accent3"/>
+              </a:effectRef>
+              <a:fontRef idx="minor">
+                <a:schemeClr val="lt1"/>
+              </a:fontRef>
+            </p:style>
+            <p:txBody>
+              <a:bodyPr rtlCol="0" anchor="ctr"/>
+              <a:lstStyle/>
+              <a:p>
+                <a:pPr algn="ctr"/>
+                <a:endParaRPr lang="de-DE"/>
+              </a:p>
+            </p:txBody>
+          </p:sp>
+          <p:sp>
+            <p:nvSpPr>
+              <p:cNvPr id="87" name="Smiley 86"/>
+              <p:cNvSpPr/>
+              <p:nvPr/>
+            </p:nvSpPr>
+            <p:spPr>
+              <a:xfrm>
+                <a:off x="6365244" y="1165504"/>
+                <a:ext cx="899207" cy="1107364"/>
+              </a:xfrm>
+              <a:prstGeom prst="smileyFace">
+                <a:avLst>
+                  <a:gd name="adj" fmla="val -4653"/>
+                </a:avLst>
+              </a:prstGeom>
+              <a:solidFill>
+                <a:srgbClr val="FF5722"/>
+              </a:solidFill>
+            </p:spPr>
+            <p:style>
+              <a:lnRef idx="3">
+                <a:schemeClr val="lt1"/>
+              </a:lnRef>
+              <a:fillRef idx="1">
+                <a:schemeClr val="accent3"/>
+              </a:fillRef>
+              <a:effectRef idx="1">
+                <a:schemeClr val="accent3"/>
+              </a:effectRef>
+              <a:fontRef idx="minor">
+                <a:schemeClr val="lt1"/>
+              </a:fontRef>
+            </p:style>
+            <p:txBody>
+              <a:bodyPr rtlCol="0" anchor="ctr"/>
+              <a:lstStyle/>
+              <a:p>
+                <a:pPr algn="ctr"/>
+                <a:endParaRPr lang="de-DE"/>
+              </a:p>
+            </p:txBody>
+          </p:sp>
+        </p:grpSp>
+        <p:sp>
+          <p:nvSpPr>
+            <p:cNvPr id="88" name="Textfeld 87"/>
+            <p:cNvSpPr txBox="1"/>
+            <p:nvPr/>
+          </p:nvSpPr>
+          <p:spPr>
+            <a:xfrm>
+              <a:off x="776056" y="3543902"/>
+              <a:ext cx="3236396" cy="646331"/>
+            </a:xfrm>
+            <a:prstGeom prst="rect">
+              <a:avLst/>
+            </a:prstGeom>
+            <a:noFill/>
+          </p:spPr>
+          <p:txBody>
+            <a:bodyPr wrap="square" rtlCol="0">
+              <a:spAutoFit/>
+            </a:bodyPr>
+            <a:lstStyle/>
+            <a:p>
+              <a:pPr algn="ctr"/>
+              <a:r>
+                <a:rPr lang="de-DE" b="1" i="1" dirty="0" smtClean="0">
+                  <a:solidFill>
+                    <a:srgbClr val="325C72"/>
+                  </a:solidFill>
+                </a:rPr>
+                <a:t>Investitionen in die Zukunft mit niedrigen Zinsen</a:t>
+              </a:r>
+              <a:endParaRPr lang="de-DE" b="1" i="1" dirty="0">
+                <a:solidFill>
+                  <a:srgbClr val="325C72"/>
+                </a:solidFill>
+              </a:endParaRPr>
+            </a:p>
+          </p:txBody>
+        </p:sp>
+        <p:sp>
+          <p:nvSpPr>
+            <p:cNvPr id="89" name="Textfeld 88"/>
+            <p:cNvSpPr txBox="1"/>
+            <p:nvPr/>
+          </p:nvSpPr>
+          <p:spPr>
+            <a:xfrm>
+              <a:off x="5143016" y="3543902"/>
+              <a:ext cx="3236396" cy="646331"/>
+            </a:xfrm>
+            <a:prstGeom prst="rect">
+              <a:avLst/>
+            </a:prstGeom>
+            <a:noFill/>
+          </p:spPr>
+          <p:txBody>
+            <a:bodyPr wrap="square" rtlCol="0">
+              <a:spAutoFit/>
+            </a:bodyPr>
+            <a:lstStyle/>
+            <a:p>
+              <a:pPr algn="ctr"/>
+              <a:r>
+                <a:rPr lang="de-DE" b="1" i="1" dirty="0" smtClean="0">
+                  <a:solidFill>
+                    <a:srgbClr val="325C72"/>
+                  </a:solidFill>
+                </a:rPr>
+                <a:t>Hohe Zinsen und kaum Benefits für die Zukunft</a:t>
+              </a:r>
+              <a:endParaRPr lang="de-DE" b="1" i="1" dirty="0">
+                <a:solidFill>
+                  <a:srgbClr val="325C72"/>
+                </a:solidFill>
+              </a:endParaRPr>
+            </a:p>
+          </p:txBody>
+        </p:sp>
+        <p:sp>
+          <p:nvSpPr>
+            <p:cNvPr id="90" name="Textfeld 89"/>
+            <p:cNvSpPr txBox="1"/>
+            <p:nvPr/>
+          </p:nvSpPr>
+          <p:spPr>
+            <a:xfrm>
+              <a:off x="769950" y="4117476"/>
+              <a:ext cx="3236396" cy="1477328"/>
+            </a:xfrm>
+            <a:prstGeom prst="rect">
+              <a:avLst/>
+            </a:prstGeom>
+            <a:noFill/>
+          </p:spPr>
+          <p:txBody>
+            <a:bodyPr wrap="square" rtlCol="0">
+              <a:spAutoFit/>
+            </a:bodyPr>
+            <a:lstStyle/>
+            <a:p>
+              <a:pPr marL="285750" indent="-285750">
+                <a:lnSpc>
+                  <a:spcPct val="150000"/>
+                </a:lnSpc>
+                <a:buFont typeface="Arial" charset="0"/>
+                <a:buChar char="•"/>
+              </a:pPr>
+              <a:r>
+                <a:rPr lang="de-DE" sz="2000" dirty="0" smtClean="0">
+                  <a:solidFill>
+                    <a:srgbClr val="325C72"/>
+                  </a:solidFill>
+                </a:rPr>
+                <a:t>Studienkredite</a:t>
+              </a:r>
+            </a:p>
+            <a:p>
+              <a:pPr marL="285750" indent="-285750">
+                <a:lnSpc>
+                  <a:spcPct val="150000"/>
+                </a:lnSpc>
+                <a:buFont typeface="Arial" charset="0"/>
+                <a:buChar char="•"/>
+              </a:pPr>
+              <a:r>
+                <a:rPr lang="de-DE" sz="2000" dirty="0" smtClean="0">
+                  <a:solidFill>
+                    <a:srgbClr val="325C72"/>
+                  </a:solidFill>
+                </a:rPr>
+                <a:t>Ausbildungskredite</a:t>
+              </a:r>
+            </a:p>
+            <a:p>
+              <a:pPr marL="285750" indent="-285750">
+                <a:lnSpc>
+                  <a:spcPct val="150000"/>
+                </a:lnSpc>
+                <a:buFont typeface="Arial" charset="0"/>
+                <a:buChar char="•"/>
+              </a:pPr>
+              <a:r>
+                <a:rPr lang="de-DE" sz="2000" dirty="0" smtClean="0">
+                  <a:solidFill>
+                    <a:srgbClr val="325C72"/>
+                  </a:solidFill>
+                </a:rPr>
+                <a:t>Immobilienkredite</a:t>
+              </a:r>
+              <a:endParaRPr lang="de-DE" sz="2000" dirty="0">
+                <a:solidFill>
+                  <a:srgbClr val="325C72"/>
+                </a:solidFill>
+              </a:endParaRPr>
+            </a:p>
+          </p:txBody>
+        </p:sp>
+        <p:sp>
+          <p:nvSpPr>
+            <p:cNvPr id="91" name="Textfeld 90"/>
+            <p:cNvSpPr txBox="1"/>
+            <p:nvPr/>
+          </p:nvSpPr>
+          <p:spPr>
+            <a:xfrm>
+              <a:off x="5128443" y="4117476"/>
+              <a:ext cx="3560036" cy="1477328"/>
+            </a:xfrm>
+            <a:prstGeom prst="rect">
+              <a:avLst/>
+            </a:prstGeom>
+            <a:noFill/>
+          </p:spPr>
+          <p:txBody>
+            <a:bodyPr wrap="square" rtlCol="0">
+              <a:spAutoFit/>
+            </a:bodyPr>
+            <a:lstStyle/>
+            <a:p>
+              <a:pPr marL="285750" indent="-285750">
+                <a:lnSpc>
+                  <a:spcPct val="150000"/>
+                </a:lnSpc>
+                <a:buFont typeface="Arial" charset="0"/>
+                <a:buChar char="•"/>
+              </a:pPr>
+              <a:r>
+                <a:rPr lang="de-DE" sz="2000" dirty="0" smtClean="0">
+                  <a:solidFill>
+                    <a:srgbClr val="325C72"/>
+                  </a:solidFill>
+                </a:rPr>
+                <a:t>Dispokredite</a:t>
+              </a:r>
+            </a:p>
+            <a:p>
+              <a:pPr marL="285750" indent="-285750">
+                <a:lnSpc>
+                  <a:spcPct val="150000"/>
+                </a:lnSpc>
+                <a:buFont typeface="Arial" charset="0"/>
+                <a:buChar char="•"/>
+              </a:pPr>
+              <a:r>
+                <a:rPr lang="de-DE" sz="2000" dirty="0" smtClean="0">
+                  <a:solidFill>
+                    <a:srgbClr val="325C72"/>
+                  </a:solidFill>
+                </a:rPr>
+                <a:t>Autokredite</a:t>
+              </a:r>
+              <a:endParaRPr lang="de-DE" sz="2000" dirty="0" smtClean="0">
+                <a:solidFill>
+                  <a:srgbClr val="325C72"/>
+                </a:solidFill>
+              </a:endParaRPr>
+            </a:p>
+            <a:p>
+              <a:pPr marL="285750" indent="-285750">
+                <a:lnSpc>
+                  <a:spcPct val="150000"/>
+                </a:lnSpc>
+                <a:buFont typeface="Arial" charset="0"/>
+                <a:buChar char="•"/>
+              </a:pPr>
+              <a:r>
+                <a:rPr lang="de-DE" sz="2000" dirty="0" smtClean="0">
+                  <a:solidFill>
+                    <a:srgbClr val="325C72"/>
+                  </a:solidFill>
+                </a:rPr>
+                <a:t>Kreditkarten</a:t>
+              </a:r>
+              <a:endParaRPr lang="de-DE" sz="2000" dirty="0">
+                <a:solidFill>
+                  <a:srgbClr val="325C72"/>
+                </a:solidFill>
+              </a:endParaRPr>
+            </a:p>
+          </p:txBody>
+        </p:sp>
+      </p:grpSp>
+    </p:spTree>
+    <p:extLst>
+      <p:ext uri="{BB962C8B-B14F-4D97-AF65-F5344CB8AC3E}">
+        <p14:creationId xmlns:p14="http://schemas.microsoft.com/office/powerpoint/2010/main" val="1864828081"/>
+      </p:ext>
+    </p:extLst>
+  </p:cSld>
+  <p:clrMapOvr>
+    <a:masterClrMapping/>
+  </p:clrMapOvr>
+  <p:timing>
+    <p:tnLst>
+      <p:par>
+        <p:cTn id="1" dur="indefinite" restart="never" nodeType="tmRoot"/>
+      </p:par>
+    </p:tnLst>
+  </p:timing>
+</p:sld>
+</file>
+
+<file path=ppt/slides/slide13.xml><?xml version="1.0" encoding="utf-8"?>
+<p:sld xmlns:a="http://schemas.openxmlformats.org/drawingml/2006/main" xmlns:r="http://schemas.openxmlformats.org/officeDocument/2006/relationships" xmlns:p="http://schemas.openxmlformats.org/presentationml/2006/main">
+  <p:cSld>
+    <p:spTree>
+      <p:nvGrpSpPr>
+        <p:cNvPr id="1" name=""/>
+        <p:cNvGrpSpPr/>
+        <p:nvPr/>
+      </p:nvGrpSpPr>
+      <p:grpSpPr>
+        <a:xfrm>
+          <a:off x="0" y="0"/>
+          <a:ext cx="0" cy="0"/>
+          <a:chOff x="0" y="0"/>
+          <a:chExt cx="0" cy="0"/>
+        </a:xfrm>
+      </p:grpSpPr>
+      <p:grpSp>
+        <p:nvGrpSpPr>
           <p:cNvPr id="24" name="Gruppierung 23"/>
           <p:cNvGrpSpPr/>
           <p:nvPr/>
@@ -12827,7 +13634,7 @@
 </p:sld>
 </file>
 
-<file path=ppt/slides/slide13.xml><?xml version="1.0" encoding="utf-8"?>
+<file path=ppt/slides/slide14.xml><?xml version="1.0" encoding="utf-8"?>
 <p:sld xmlns:a="http://schemas.openxmlformats.org/drawingml/2006/main" xmlns:r="http://schemas.openxmlformats.org/officeDocument/2006/relationships" xmlns:p="http://schemas.openxmlformats.org/presentationml/2006/main">
   <p:cSld>
     <p:bg>
@@ -12916,7 +13723,7 @@
 </p:sld>
 </file>
 
-<file path=ppt/slides/slide14.xml><?xml version="1.0" encoding="utf-8"?>
+<file path=ppt/slides/slide15.xml><?xml version="1.0" encoding="utf-8"?>
 <p:sld xmlns:a="http://schemas.openxmlformats.org/drawingml/2006/main" xmlns:r="http://schemas.openxmlformats.org/officeDocument/2006/relationships" xmlns:p="http://schemas.openxmlformats.org/presentationml/2006/main">
   <p:cSld>
     <p:spTree>
@@ -13637,7 +14444,7 @@
 </p:sld>
 </file>
 
-<file path=ppt/slides/slide15.xml><?xml version="1.0" encoding="utf-8"?>
+<file path=ppt/slides/slide16.xml><?xml version="1.0" encoding="utf-8"?>
 <p:sld xmlns:a="http://schemas.openxmlformats.org/drawingml/2006/main" xmlns:r="http://schemas.openxmlformats.org/officeDocument/2006/relationships" xmlns:p="http://schemas.openxmlformats.org/presentationml/2006/main">
   <p:cSld>
     <p:bg>
